--- a/Tooling-Landscape/OC_ToolingChain_v1.3.pptx
+++ b/Tooling-Landscape/OC_ToolingChain_v1.3.pptx
@@ -1133,7 +1133,7 @@
           </a:ln>
           <a:extLst>
             <a:ext uri="{C572A759-6A51-4108-AA02-DFA0A04FC94B}">
-              <ma14:wrappingTextBoxFlag xmlns:ma14="http://schemas.microsoft.com/office/mac/drawingml/2011/main" xmlns:a14="http://schemas.microsoft.com/office/drawing/2010/main" xmlns:m="http://schemas.openxmlformats.org/officeDocument/2006/math" xmlns="" val="1"/>
+              <ma14:wrappingTextBoxFlag xmlns="" xmlns:m="http://schemas.openxmlformats.org/officeDocument/2006/math" xmlns:a14="http://schemas.microsoft.com/office/drawing/2010/main" xmlns:ma14="http://schemas.microsoft.com/office/mac/drawingml/2011/main" val="1"/>
             </a:ext>
           </a:extLst>
         </p:spPr>
@@ -1373,7 +1373,7 @@
           </a:ln>
           <a:extLst>
             <a:ext uri="{C572A759-6A51-4108-AA02-DFA0A04FC94B}">
-              <ma14:wrappingTextBoxFlag xmlns:ma14="http://schemas.microsoft.com/office/mac/drawingml/2011/main" xmlns:a14="http://schemas.microsoft.com/office/drawing/2010/main" xmlns:m="http://schemas.openxmlformats.org/officeDocument/2006/math" xmlns="" val="1"/>
+              <ma14:wrappingTextBoxFlag xmlns="" xmlns:m="http://schemas.openxmlformats.org/officeDocument/2006/math" xmlns:a14="http://schemas.microsoft.com/office/drawing/2010/main" xmlns:ma14="http://schemas.microsoft.com/office/mac/drawingml/2011/main" val="1"/>
             </a:ext>
           </a:extLst>
         </p:spPr>
@@ -1420,7 +1420,7 @@
           </a:ln>
           <a:extLst>
             <a:ext uri="{C572A759-6A51-4108-AA02-DFA0A04FC94B}">
-              <ma14:wrappingTextBoxFlag xmlns:ma14="http://schemas.microsoft.com/office/mac/drawingml/2011/main" xmlns:a14="http://schemas.microsoft.com/office/drawing/2010/main" xmlns:m="http://schemas.openxmlformats.org/officeDocument/2006/math" xmlns="" val="1"/>
+              <ma14:wrappingTextBoxFlag xmlns="" xmlns:m="http://schemas.openxmlformats.org/officeDocument/2006/math" xmlns:a14="http://schemas.microsoft.com/office/drawing/2010/main" xmlns:ma14="http://schemas.microsoft.com/office/mac/drawingml/2011/main" val="1"/>
             </a:ext>
           </a:extLst>
         </p:spPr>
@@ -1641,7 +1641,7 @@
           </a:ln>
           <a:extLst>
             <a:ext uri="{C572A759-6A51-4108-AA02-DFA0A04FC94B}">
-              <ma14:wrappingTextBoxFlag xmlns:ma14="http://schemas.microsoft.com/office/mac/drawingml/2011/main" xmlns:a14="http://schemas.microsoft.com/office/drawing/2010/main" xmlns:m="http://schemas.openxmlformats.org/officeDocument/2006/math" xmlns="" val="1"/>
+              <ma14:wrappingTextBoxFlag xmlns="" xmlns:m="http://schemas.openxmlformats.org/officeDocument/2006/math" xmlns:a14="http://schemas.microsoft.com/office/drawing/2010/main" xmlns:ma14="http://schemas.microsoft.com/office/mac/drawingml/2011/main" val="1"/>
             </a:ext>
           </a:extLst>
         </p:spPr>
@@ -1683,7 +1683,7 @@
           </a:ln>
           <a:extLst>
             <a:ext uri="{C572A759-6A51-4108-AA02-DFA0A04FC94B}">
-              <ma14:wrappingTextBoxFlag xmlns:ma14="http://schemas.microsoft.com/office/mac/drawingml/2011/main" xmlns:a14="http://schemas.microsoft.com/office/drawing/2010/main" xmlns:m="http://schemas.openxmlformats.org/officeDocument/2006/math" xmlns="" val="1"/>
+              <ma14:wrappingTextBoxFlag xmlns="" xmlns:m="http://schemas.openxmlformats.org/officeDocument/2006/math" xmlns:a14="http://schemas.microsoft.com/office/drawing/2010/main" xmlns:ma14="http://schemas.microsoft.com/office/mac/drawingml/2011/main" val="1"/>
             </a:ext>
           </a:extLst>
         </p:spPr>
@@ -1774,7 +1774,7 @@
           </a:ln>
           <a:extLst>
             <a:ext uri="{C572A759-6A51-4108-AA02-DFA0A04FC94B}">
-              <ma14:wrappingTextBoxFlag xmlns:ma14="http://schemas.microsoft.com/office/mac/drawingml/2011/main" xmlns:a14="http://schemas.microsoft.com/office/drawing/2010/main" xmlns:m="http://schemas.openxmlformats.org/officeDocument/2006/math" xmlns="" val="1"/>
+              <ma14:wrappingTextBoxFlag xmlns="" xmlns:m="http://schemas.openxmlformats.org/officeDocument/2006/math" xmlns:a14="http://schemas.microsoft.com/office/drawing/2010/main" xmlns:ma14="http://schemas.microsoft.com/office/mac/drawingml/2011/main" val="1"/>
             </a:ext>
           </a:extLst>
         </p:spPr>
@@ -1821,7 +1821,7 @@
           </a:ln>
           <a:extLst>
             <a:ext uri="{C572A759-6A51-4108-AA02-DFA0A04FC94B}">
-              <ma14:wrappingTextBoxFlag xmlns:ma14="http://schemas.microsoft.com/office/mac/drawingml/2011/main" xmlns:a14="http://schemas.microsoft.com/office/drawing/2010/main" xmlns:m="http://schemas.openxmlformats.org/officeDocument/2006/math" xmlns="" val="1"/>
+              <ma14:wrappingTextBoxFlag xmlns="" xmlns:m="http://schemas.openxmlformats.org/officeDocument/2006/math" xmlns:a14="http://schemas.microsoft.com/office/drawing/2010/main" xmlns:ma14="http://schemas.microsoft.com/office/mac/drawingml/2011/main" val="1"/>
             </a:ext>
           </a:extLst>
         </p:spPr>
@@ -2709,7 +2709,7 @@
           </a:ln>
           <a:extLst>
             <a:ext uri="{C572A759-6A51-4108-AA02-DFA0A04FC94B}">
-              <ma14:wrappingTextBoxFlag xmlns:ma14="http://schemas.microsoft.com/office/mac/drawingml/2011/main" xmlns:a14="http://schemas.microsoft.com/office/drawing/2010/main" xmlns:m="http://schemas.openxmlformats.org/officeDocument/2006/math" xmlns="" val="1"/>
+              <ma14:wrappingTextBoxFlag xmlns="" xmlns:m="http://schemas.openxmlformats.org/officeDocument/2006/math" xmlns:a14="http://schemas.microsoft.com/office/drawing/2010/main" xmlns:ma14="http://schemas.microsoft.com/office/mac/drawingml/2011/main" val="1"/>
             </a:ext>
           </a:extLst>
         </p:spPr>
@@ -2729,7 +2729,7 @@
             </a:r>
             <a:r>
               <a:rPr lang="en-GB" dirty="0"/>
-              <a:t>2</a:t>
+              <a:t>3</a:t>
             </a:r>
             <a:r>
               <a:rPr dirty="0"/>
@@ -2786,7 +2786,7 @@
           </a:prstGeom>
           <a:extLst>
             <a:ext uri="{C572A759-6A51-4108-AA02-DFA0A04FC94B}">
-              <ma14:wrappingTextBoxFlag xmlns:ma14="http://schemas.microsoft.com/office/mac/drawingml/2011/main" xmlns:a14="http://schemas.microsoft.com/office/drawing/2010/main" xmlns:m="http://schemas.openxmlformats.org/officeDocument/2006/math" xmlns="" val="1"/>
+              <ma14:wrappingTextBoxFlag xmlns="" xmlns:m="http://schemas.openxmlformats.org/officeDocument/2006/math" xmlns:a14="http://schemas.microsoft.com/office/drawing/2010/main" xmlns:ma14="http://schemas.microsoft.com/office/mac/drawingml/2011/main" val="1"/>
             </a:ext>
           </a:extLst>
         </p:spPr>
@@ -3734,7 +3734,7 @@
           </a:prstGeom>
           <a:extLst>
             <a:ext uri="{C572A759-6A51-4108-AA02-DFA0A04FC94B}">
-              <ma14:wrappingTextBoxFlag xmlns:ma14="http://schemas.microsoft.com/office/mac/drawingml/2011/main" xmlns:a14="http://schemas.microsoft.com/office/drawing/2010/main" xmlns:m="http://schemas.openxmlformats.org/officeDocument/2006/math" xmlns="" val="1"/>
+              <ma14:wrappingTextBoxFlag xmlns="" xmlns:m="http://schemas.openxmlformats.org/officeDocument/2006/math" xmlns:a14="http://schemas.microsoft.com/office/drawing/2010/main" xmlns:ma14="http://schemas.microsoft.com/office/mac/drawingml/2011/main" val="1"/>
             </a:ext>
           </a:extLst>
         </p:spPr>
@@ -4733,7 +4733,7 @@
           </a:prstGeom>
           <a:extLst>
             <a:ext uri="{C572A759-6A51-4108-AA02-DFA0A04FC94B}">
-              <ma14:wrappingTextBoxFlag xmlns:ma14="http://schemas.microsoft.com/office/mac/drawingml/2011/main" xmlns:a14="http://schemas.microsoft.com/office/drawing/2010/main" xmlns:m="http://schemas.openxmlformats.org/officeDocument/2006/math" xmlns="" val="1"/>
+              <ma14:wrappingTextBoxFlag xmlns="" xmlns:m="http://schemas.openxmlformats.org/officeDocument/2006/math" xmlns:a14="http://schemas.microsoft.com/office/drawing/2010/main" xmlns:ma14="http://schemas.microsoft.com/office/mac/drawingml/2011/main" val="1"/>
             </a:ext>
           </a:extLst>
         </p:spPr>
@@ -5575,7 +5575,7 @@
           </a:prstGeom>
           <a:extLst>
             <a:ext uri="{C572A759-6A51-4108-AA02-DFA0A04FC94B}">
-              <ma14:wrappingTextBoxFlag xmlns:ma14="http://schemas.microsoft.com/office/mac/drawingml/2011/main" xmlns:a14="http://schemas.microsoft.com/office/drawing/2010/main" xmlns:m="http://schemas.openxmlformats.org/officeDocument/2006/math" xmlns="" val="1"/>
+              <ma14:wrappingTextBoxFlag xmlns="" xmlns:m="http://schemas.openxmlformats.org/officeDocument/2006/math" xmlns:a14="http://schemas.microsoft.com/office/drawing/2010/main" xmlns:ma14="http://schemas.microsoft.com/office/mac/drawingml/2011/main" val="1"/>
             </a:ext>
           </a:extLst>
         </p:spPr>
@@ -6497,7 +6497,7 @@
           </a:prstGeom>
           <a:extLst>
             <a:ext uri="{C572A759-6A51-4108-AA02-DFA0A04FC94B}">
-              <ma14:wrappingTextBoxFlag xmlns:ma14="http://schemas.microsoft.com/office/mac/drawingml/2011/main" xmlns:a14="http://schemas.microsoft.com/office/drawing/2010/main" xmlns:m="http://schemas.openxmlformats.org/officeDocument/2006/math" xmlns="" val="1"/>
+              <ma14:wrappingTextBoxFlag xmlns="" xmlns:m="http://schemas.openxmlformats.org/officeDocument/2006/math" xmlns:a14="http://schemas.microsoft.com/office/drawing/2010/main" xmlns:ma14="http://schemas.microsoft.com/office/mac/drawingml/2011/main" val="1"/>
             </a:ext>
           </a:extLst>
         </p:spPr>
@@ -7327,7 +7327,7 @@
           </a:prstGeom>
           <a:extLst>
             <a:ext uri="{C572A759-6A51-4108-AA02-DFA0A04FC94B}">
-              <ma14:wrappingTextBoxFlag xmlns:ma14="http://schemas.microsoft.com/office/mac/drawingml/2011/main" xmlns:a14="http://schemas.microsoft.com/office/drawing/2010/main" xmlns:m="http://schemas.openxmlformats.org/officeDocument/2006/math" xmlns="" val="1"/>
+              <ma14:wrappingTextBoxFlag xmlns="" xmlns:m="http://schemas.openxmlformats.org/officeDocument/2006/math" xmlns:a14="http://schemas.microsoft.com/office/drawing/2010/main" xmlns:ma14="http://schemas.microsoft.com/office/mac/drawingml/2011/main" val="1"/>
             </a:ext>
           </a:extLst>
         </p:spPr>
@@ -8149,7 +8149,7 @@
           </a:prstGeom>
           <a:extLst>
             <a:ext uri="{C572A759-6A51-4108-AA02-DFA0A04FC94B}">
-              <ma14:wrappingTextBoxFlag xmlns:ma14="http://schemas.microsoft.com/office/mac/drawingml/2011/main" xmlns:a14="http://schemas.microsoft.com/office/drawing/2010/main" xmlns:m="http://schemas.openxmlformats.org/officeDocument/2006/math" xmlns="" val="1"/>
+              <ma14:wrappingTextBoxFlag xmlns="" xmlns:m="http://schemas.openxmlformats.org/officeDocument/2006/math" xmlns:a14="http://schemas.microsoft.com/office/drawing/2010/main" xmlns:ma14="http://schemas.microsoft.com/office/mac/drawingml/2011/main" val="1"/>
             </a:ext>
           </a:extLst>
         </p:spPr>
@@ -9027,7 +9027,7 @@
           </a:prstGeom>
           <a:extLst>
             <a:ext uri="{C572A759-6A51-4108-AA02-DFA0A04FC94B}">
-              <ma14:wrappingTextBoxFlag xmlns:ma14="http://schemas.microsoft.com/office/mac/drawingml/2011/main" xmlns:a14="http://schemas.microsoft.com/office/drawing/2010/main" xmlns:m="http://schemas.openxmlformats.org/officeDocument/2006/math" xmlns="" val="1"/>
+              <ma14:wrappingTextBoxFlag xmlns="" xmlns:m="http://schemas.openxmlformats.org/officeDocument/2006/math" xmlns:a14="http://schemas.microsoft.com/office/drawing/2010/main" xmlns:ma14="http://schemas.microsoft.com/office/mac/drawingml/2011/main" val="1"/>
             </a:ext>
           </a:extLst>
         </p:spPr>
@@ -9882,7 +9882,7 @@
           </a:prstGeom>
           <a:extLst>
             <a:ext uri="{C572A759-6A51-4108-AA02-DFA0A04FC94B}">
-              <ma14:wrappingTextBoxFlag xmlns:ma14="http://schemas.microsoft.com/office/mac/drawingml/2011/main" xmlns:a14="http://schemas.microsoft.com/office/drawing/2010/main" xmlns:m="http://schemas.openxmlformats.org/officeDocument/2006/math" xmlns="" val="1"/>
+              <ma14:wrappingTextBoxFlag xmlns="" xmlns:m="http://schemas.openxmlformats.org/officeDocument/2006/math" xmlns:a14="http://schemas.microsoft.com/office/drawing/2010/main" xmlns:ma14="http://schemas.microsoft.com/office/mac/drawingml/2011/main" val="1"/>
             </a:ext>
           </a:extLst>
         </p:spPr>
@@ -10767,7 +10767,7 @@
           </a:prstGeom>
           <a:extLst>
             <a:ext uri="{C572A759-6A51-4108-AA02-DFA0A04FC94B}">
-              <ma14:wrappingTextBoxFlag xmlns:ma14="http://schemas.microsoft.com/office/mac/drawingml/2011/main" xmlns:a14="http://schemas.microsoft.com/office/drawing/2010/main" xmlns:m="http://schemas.openxmlformats.org/officeDocument/2006/math" xmlns="" val="1"/>
+              <ma14:wrappingTextBoxFlag xmlns="" xmlns:m="http://schemas.openxmlformats.org/officeDocument/2006/math" xmlns:a14="http://schemas.microsoft.com/office/drawing/2010/main" xmlns:ma14="http://schemas.microsoft.com/office/mac/drawingml/2011/main" val="1"/>
             </a:ext>
           </a:extLst>
         </p:spPr>
@@ -11557,7 +11557,7 @@
           </a:prstGeom>
           <a:extLst>
             <a:ext uri="{C572A759-6A51-4108-AA02-DFA0A04FC94B}">
-              <ma14:wrappingTextBoxFlag xmlns:ma14="http://schemas.microsoft.com/office/mac/drawingml/2011/main" xmlns:a14="http://schemas.microsoft.com/office/drawing/2010/main" xmlns:m="http://schemas.openxmlformats.org/officeDocument/2006/math" xmlns="" val="1"/>
+              <ma14:wrappingTextBoxFlag xmlns="" xmlns:m="http://schemas.openxmlformats.org/officeDocument/2006/math" xmlns:a14="http://schemas.microsoft.com/office/drawing/2010/main" xmlns:ma14="http://schemas.microsoft.com/office/mac/drawingml/2011/main" val="1"/>
             </a:ext>
           </a:extLst>
         </p:spPr>
@@ -12871,7 +12871,7 @@
           </a:prstGeom>
           <a:extLst>
             <a:ext uri="{C572A759-6A51-4108-AA02-DFA0A04FC94B}">
-              <ma14:wrappingTextBoxFlag xmlns:ma14="http://schemas.microsoft.com/office/mac/drawingml/2011/main" xmlns:a14="http://schemas.microsoft.com/office/drawing/2010/main" xmlns:m="http://schemas.openxmlformats.org/officeDocument/2006/math" xmlns="" val="1"/>
+              <ma14:wrappingTextBoxFlag xmlns="" xmlns:m="http://schemas.openxmlformats.org/officeDocument/2006/math" xmlns:a14="http://schemas.microsoft.com/office/drawing/2010/main" xmlns:ma14="http://schemas.microsoft.com/office/mac/drawingml/2011/main" val="1"/>
             </a:ext>
           </a:extLst>
         </p:spPr>
@@ -13625,7 +13625,7 @@
           </a:prstGeom>
           <a:extLst>
             <a:ext uri="{C572A759-6A51-4108-AA02-DFA0A04FC94B}">
-              <ma14:wrappingTextBoxFlag xmlns:ma14="http://schemas.microsoft.com/office/mac/drawingml/2011/main" xmlns:a14="http://schemas.microsoft.com/office/drawing/2010/main" xmlns:m="http://schemas.openxmlformats.org/officeDocument/2006/math" xmlns="" val="1"/>
+              <ma14:wrappingTextBoxFlag xmlns="" xmlns:m="http://schemas.openxmlformats.org/officeDocument/2006/math" xmlns:a14="http://schemas.microsoft.com/office/drawing/2010/main" xmlns:ma14="http://schemas.microsoft.com/office/mac/drawingml/2011/main" val="1"/>
             </a:ext>
           </a:extLst>
         </p:spPr>
@@ -13741,7 +13741,7 @@
             <a:effectLst/>
             <a:extLst>
               <a:ext uri="{C572A759-6A51-4108-AA02-DFA0A04FC94B}">
-                <ma14:wrappingTextBoxFlag xmlns:ma14="http://schemas.microsoft.com/office/mac/drawingml/2011/main" xmlns:a14="http://schemas.microsoft.com/office/drawing/2010/main" xmlns:m="http://schemas.openxmlformats.org/officeDocument/2006/math" xmlns="" val="1"/>
+                <ma14:wrappingTextBoxFlag xmlns="" xmlns:m="http://schemas.openxmlformats.org/officeDocument/2006/math" xmlns:a14="http://schemas.microsoft.com/office/drawing/2010/main" xmlns:ma14="http://schemas.microsoft.com/office/mac/drawingml/2011/main" val="1"/>
               </a:ext>
             </a:extLst>
           </p:spPr>
@@ -13867,7 +13867,7 @@
             <a:effectLst/>
             <a:extLst>
               <a:ext uri="{C572A759-6A51-4108-AA02-DFA0A04FC94B}">
-                <ma14:wrappingTextBoxFlag xmlns:ma14="http://schemas.microsoft.com/office/mac/drawingml/2011/main" xmlns:a14="http://schemas.microsoft.com/office/drawing/2010/main" xmlns:m="http://schemas.openxmlformats.org/officeDocument/2006/math" xmlns="" val="1"/>
+                <ma14:wrappingTextBoxFlag xmlns="" xmlns:m="http://schemas.openxmlformats.org/officeDocument/2006/math" xmlns:a14="http://schemas.microsoft.com/office/drawing/2010/main" xmlns:ma14="http://schemas.microsoft.com/office/mac/drawingml/2011/main" val="1"/>
               </a:ext>
             </a:extLst>
           </p:spPr>
@@ -13987,7 +13987,7 @@
             <a:effectLst/>
             <a:extLst>
               <a:ext uri="{C572A759-6A51-4108-AA02-DFA0A04FC94B}">
-                <ma14:wrappingTextBoxFlag xmlns:ma14="http://schemas.microsoft.com/office/mac/drawingml/2011/main" xmlns:a14="http://schemas.microsoft.com/office/drawing/2010/main" xmlns:m="http://schemas.openxmlformats.org/officeDocument/2006/math" xmlns="" val="1"/>
+                <ma14:wrappingTextBoxFlag xmlns="" xmlns:m="http://schemas.openxmlformats.org/officeDocument/2006/math" xmlns:a14="http://schemas.microsoft.com/office/drawing/2010/main" xmlns:ma14="http://schemas.microsoft.com/office/mac/drawingml/2011/main" val="1"/>
               </a:ext>
             </a:extLst>
           </p:spPr>
@@ -14082,7 +14082,7 @@
             <a:effectLst/>
             <a:extLst>
               <a:ext uri="{C572A759-6A51-4108-AA02-DFA0A04FC94B}">
-                <ma14:wrappingTextBoxFlag xmlns:ma14="http://schemas.microsoft.com/office/mac/drawingml/2011/main" xmlns:a14="http://schemas.microsoft.com/office/drawing/2010/main" xmlns:m="http://schemas.openxmlformats.org/officeDocument/2006/math" xmlns="" val="1"/>
+                <ma14:wrappingTextBoxFlag xmlns="" xmlns:m="http://schemas.openxmlformats.org/officeDocument/2006/math" xmlns:a14="http://schemas.microsoft.com/office/drawing/2010/main" xmlns:ma14="http://schemas.microsoft.com/office/mac/drawingml/2011/main" val="1"/>
               </a:ext>
             </a:extLst>
           </p:spPr>
@@ -14177,7 +14177,7 @@
             <a:effectLst/>
             <a:extLst>
               <a:ext uri="{C572A759-6A51-4108-AA02-DFA0A04FC94B}">
-                <ma14:wrappingTextBoxFlag xmlns:ma14="http://schemas.microsoft.com/office/mac/drawingml/2011/main" xmlns:a14="http://schemas.microsoft.com/office/drawing/2010/main" xmlns:m="http://schemas.openxmlformats.org/officeDocument/2006/math" xmlns="" val="1"/>
+                <ma14:wrappingTextBoxFlag xmlns="" xmlns:m="http://schemas.openxmlformats.org/officeDocument/2006/math" xmlns:a14="http://schemas.microsoft.com/office/drawing/2010/main" xmlns:ma14="http://schemas.microsoft.com/office/mac/drawingml/2011/main" val="1"/>
               </a:ext>
             </a:extLst>
           </p:spPr>
@@ -14279,7 +14279,7 @@
             <a:effectLst/>
             <a:extLst>
               <a:ext uri="{C572A759-6A51-4108-AA02-DFA0A04FC94B}">
-                <ma14:wrappingTextBoxFlag xmlns:ma14="http://schemas.microsoft.com/office/mac/drawingml/2011/main" xmlns:a14="http://schemas.microsoft.com/office/drawing/2010/main" xmlns:m="http://schemas.openxmlformats.org/officeDocument/2006/math" xmlns="" val="1"/>
+                <ma14:wrappingTextBoxFlag xmlns="" xmlns:m="http://schemas.openxmlformats.org/officeDocument/2006/math" xmlns:a14="http://schemas.microsoft.com/office/drawing/2010/main" xmlns:ma14="http://schemas.microsoft.com/office/mac/drawingml/2011/main" val="1"/>
               </a:ext>
             </a:extLst>
           </p:spPr>
@@ -14375,7 +14375,7 @@
             <a:effectLst/>
             <a:extLst>
               <a:ext uri="{C572A759-6A51-4108-AA02-DFA0A04FC94B}">
-                <ma14:wrappingTextBoxFlag xmlns:ma14="http://schemas.microsoft.com/office/mac/drawingml/2011/main" xmlns:a14="http://schemas.microsoft.com/office/drawing/2010/main" xmlns:m="http://schemas.openxmlformats.org/officeDocument/2006/math" xmlns="" val="1"/>
+                <ma14:wrappingTextBoxFlag xmlns="" xmlns:m="http://schemas.openxmlformats.org/officeDocument/2006/math" xmlns:a14="http://schemas.microsoft.com/office/drawing/2010/main" xmlns:ma14="http://schemas.microsoft.com/office/mac/drawingml/2011/main" val="1"/>
               </a:ext>
             </a:extLst>
           </p:spPr>
@@ -14471,7 +14471,7 @@
             <a:effectLst/>
             <a:extLst>
               <a:ext uri="{C572A759-6A51-4108-AA02-DFA0A04FC94B}">
-                <ma14:wrappingTextBoxFlag xmlns:ma14="http://schemas.microsoft.com/office/mac/drawingml/2011/main" xmlns:a14="http://schemas.microsoft.com/office/drawing/2010/main" xmlns:m="http://schemas.openxmlformats.org/officeDocument/2006/math" xmlns="" val="1"/>
+                <ma14:wrappingTextBoxFlag xmlns="" xmlns:m="http://schemas.openxmlformats.org/officeDocument/2006/math" xmlns:a14="http://schemas.microsoft.com/office/drawing/2010/main" xmlns:ma14="http://schemas.microsoft.com/office/mac/drawingml/2011/main" val="1"/>
               </a:ext>
             </a:extLst>
           </p:spPr>
@@ -14567,7 +14567,7 @@
             <a:effectLst/>
             <a:extLst>
               <a:ext uri="{C572A759-6A51-4108-AA02-DFA0A04FC94B}">
-                <ma14:wrappingTextBoxFlag xmlns:ma14="http://schemas.microsoft.com/office/mac/drawingml/2011/main" xmlns:a14="http://schemas.microsoft.com/office/drawing/2010/main" xmlns:m="http://schemas.openxmlformats.org/officeDocument/2006/math" xmlns="" val="1"/>
+                <ma14:wrappingTextBoxFlag xmlns="" xmlns:m="http://schemas.openxmlformats.org/officeDocument/2006/math" xmlns:a14="http://schemas.microsoft.com/office/drawing/2010/main" xmlns:ma14="http://schemas.microsoft.com/office/mac/drawingml/2011/main" val="1"/>
               </a:ext>
             </a:extLst>
           </p:spPr>
@@ -14663,7 +14663,7 @@
             <a:effectLst/>
             <a:extLst>
               <a:ext uri="{C572A759-6A51-4108-AA02-DFA0A04FC94B}">
-                <ma14:wrappingTextBoxFlag xmlns:ma14="http://schemas.microsoft.com/office/mac/drawingml/2011/main" xmlns:a14="http://schemas.microsoft.com/office/drawing/2010/main" xmlns:m="http://schemas.openxmlformats.org/officeDocument/2006/math" xmlns="" val="1"/>
+                <ma14:wrappingTextBoxFlag xmlns="" xmlns:m="http://schemas.openxmlformats.org/officeDocument/2006/math" xmlns:a14="http://schemas.microsoft.com/office/drawing/2010/main" xmlns:ma14="http://schemas.microsoft.com/office/mac/drawingml/2011/main" val="1"/>
               </a:ext>
             </a:extLst>
           </p:spPr>
@@ -14768,7 +14768,7 @@
             <a:effectLst/>
             <a:extLst>
               <a:ext uri="{C572A759-6A51-4108-AA02-DFA0A04FC94B}">
-                <ma14:wrappingTextBoxFlag xmlns:ma14="http://schemas.microsoft.com/office/mac/drawingml/2011/main" xmlns:a14="http://schemas.microsoft.com/office/drawing/2010/main" xmlns:m="http://schemas.openxmlformats.org/officeDocument/2006/math" xmlns="" val="1"/>
+                <ma14:wrappingTextBoxFlag xmlns="" xmlns:m="http://schemas.openxmlformats.org/officeDocument/2006/math" xmlns:a14="http://schemas.microsoft.com/office/drawing/2010/main" xmlns:ma14="http://schemas.microsoft.com/office/mac/drawingml/2011/main" val="1"/>
               </a:ext>
             </a:extLst>
           </p:spPr>
@@ -15045,7 +15045,7 @@
             <a:effectLst/>
             <a:extLst>
               <a:ext uri="{C572A759-6A51-4108-AA02-DFA0A04FC94B}">
-                <ma14:wrappingTextBoxFlag xmlns:ma14="http://schemas.microsoft.com/office/mac/drawingml/2011/main" xmlns:a14="http://schemas.microsoft.com/office/drawing/2010/main" xmlns:m="http://schemas.openxmlformats.org/officeDocument/2006/math" xmlns="" val="1"/>
+                <ma14:wrappingTextBoxFlag xmlns="" xmlns:m="http://schemas.openxmlformats.org/officeDocument/2006/math" xmlns:a14="http://schemas.microsoft.com/office/drawing/2010/main" xmlns:ma14="http://schemas.microsoft.com/office/mac/drawingml/2011/main" val="1"/>
               </a:ext>
             </a:extLst>
           </p:spPr>
@@ -15200,7 +15200,7 @@
             <a:effectLst/>
             <a:extLst>
               <a:ext uri="{C572A759-6A51-4108-AA02-DFA0A04FC94B}">
-                <ma14:wrappingTextBoxFlag xmlns:ma14="http://schemas.microsoft.com/office/mac/drawingml/2011/main" xmlns:a14="http://schemas.microsoft.com/office/drawing/2010/main" xmlns:m="http://schemas.openxmlformats.org/officeDocument/2006/math" xmlns="" val="1"/>
+                <ma14:wrappingTextBoxFlag xmlns="" xmlns:m="http://schemas.openxmlformats.org/officeDocument/2006/math" xmlns:a14="http://schemas.microsoft.com/office/drawing/2010/main" xmlns:ma14="http://schemas.microsoft.com/office/mac/drawingml/2011/main" val="1"/>
               </a:ext>
             </a:extLst>
           </p:spPr>
@@ -15328,7 +15328,7 @@
             <a:effectLst/>
             <a:extLst>
               <a:ext uri="{C572A759-6A51-4108-AA02-DFA0A04FC94B}">
-                <ma14:wrappingTextBoxFlag xmlns:ma14="http://schemas.microsoft.com/office/mac/drawingml/2011/main" xmlns:a14="http://schemas.microsoft.com/office/drawing/2010/main" xmlns:m="http://schemas.openxmlformats.org/officeDocument/2006/math" xmlns="" val="1"/>
+                <ma14:wrappingTextBoxFlag xmlns="" xmlns:m="http://schemas.openxmlformats.org/officeDocument/2006/math" xmlns:a14="http://schemas.microsoft.com/office/drawing/2010/main" xmlns:ma14="http://schemas.microsoft.com/office/mac/drawingml/2011/main" val="1"/>
               </a:ext>
             </a:extLst>
           </p:spPr>
@@ -15454,7 +15454,7 @@
             <a:effectLst/>
             <a:extLst>
               <a:ext uri="{C572A759-6A51-4108-AA02-DFA0A04FC94B}">
-                <ma14:wrappingTextBoxFlag xmlns:ma14="http://schemas.microsoft.com/office/mac/drawingml/2011/main" xmlns:a14="http://schemas.microsoft.com/office/drawing/2010/main" xmlns:m="http://schemas.openxmlformats.org/officeDocument/2006/math" xmlns="" val="1"/>
+                <ma14:wrappingTextBoxFlag xmlns="" xmlns:m="http://schemas.openxmlformats.org/officeDocument/2006/math" xmlns:a14="http://schemas.microsoft.com/office/drawing/2010/main" xmlns:ma14="http://schemas.microsoft.com/office/mac/drawingml/2011/main" val="1"/>
               </a:ext>
             </a:extLst>
           </p:spPr>
@@ -15580,7 +15580,7 @@
             <a:effectLst/>
             <a:extLst>
               <a:ext uri="{C572A759-6A51-4108-AA02-DFA0A04FC94B}">
-                <ma14:wrappingTextBoxFlag xmlns:ma14="http://schemas.microsoft.com/office/mac/drawingml/2011/main" xmlns:a14="http://schemas.microsoft.com/office/drawing/2010/main" xmlns:m="http://schemas.openxmlformats.org/officeDocument/2006/math" xmlns="" val="1"/>
+                <ma14:wrappingTextBoxFlag xmlns="" xmlns:m="http://schemas.openxmlformats.org/officeDocument/2006/math" xmlns:a14="http://schemas.microsoft.com/office/drawing/2010/main" xmlns:ma14="http://schemas.microsoft.com/office/mac/drawingml/2011/main" val="1"/>
               </a:ext>
             </a:extLst>
           </p:spPr>
@@ -15676,7 +15676,7 @@
             <a:effectLst/>
             <a:extLst>
               <a:ext uri="{C572A759-6A51-4108-AA02-DFA0A04FC94B}">
-                <ma14:wrappingTextBoxFlag xmlns:ma14="http://schemas.microsoft.com/office/mac/drawingml/2011/main" xmlns:a14="http://schemas.microsoft.com/office/drawing/2010/main" xmlns:m="http://schemas.openxmlformats.org/officeDocument/2006/math" xmlns="" val="1"/>
+                <ma14:wrappingTextBoxFlag xmlns="" xmlns:m="http://schemas.openxmlformats.org/officeDocument/2006/math" xmlns:a14="http://schemas.microsoft.com/office/drawing/2010/main" xmlns:ma14="http://schemas.microsoft.com/office/mac/drawingml/2011/main" val="1"/>
               </a:ext>
             </a:extLst>
           </p:spPr>
@@ -15772,7 +15772,7 @@
             <a:effectLst/>
             <a:extLst>
               <a:ext uri="{C572A759-6A51-4108-AA02-DFA0A04FC94B}">
-                <ma14:wrappingTextBoxFlag xmlns:ma14="http://schemas.microsoft.com/office/mac/drawingml/2011/main" xmlns:a14="http://schemas.microsoft.com/office/drawing/2010/main" xmlns:m="http://schemas.openxmlformats.org/officeDocument/2006/math" xmlns="" val="1"/>
+                <ma14:wrappingTextBoxFlag xmlns="" xmlns:m="http://schemas.openxmlformats.org/officeDocument/2006/math" xmlns:a14="http://schemas.microsoft.com/office/drawing/2010/main" xmlns:ma14="http://schemas.microsoft.com/office/mac/drawingml/2011/main" val="1"/>
               </a:ext>
             </a:extLst>
           </p:spPr>
@@ -16250,7 +16250,7 @@
             <a:effectLst/>
             <a:extLst>
               <a:ext uri="{C572A759-6A51-4108-AA02-DFA0A04FC94B}">
-                <ma14:wrappingTextBoxFlag xmlns:ma14="http://schemas.microsoft.com/office/mac/drawingml/2011/main" xmlns:a14="http://schemas.microsoft.com/office/drawing/2010/main" xmlns:m="http://schemas.openxmlformats.org/officeDocument/2006/math" xmlns="" val="1"/>
+                <ma14:wrappingTextBoxFlag xmlns="" xmlns:m="http://schemas.openxmlformats.org/officeDocument/2006/math" xmlns:a14="http://schemas.microsoft.com/office/drawing/2010/main" xmlns:ma14="http://schemas.microsoft.com/office/mac/drawingml/2011/main" val="1"/>
               </a:ext>
             </a:extLst>
           </p:spPr>
@@ -16406,7 +16406,7 @@
             <a:effectLst/>
             <a:extLst>
               <a:ext uri="{C572A759-6A51-4108-AA02-DFA0A04FC94B}">
-                <ma14:wrappingTextBoxFlag xmlns:ma14="http://schemas.microsoft.com/office/mac/drawingml/2011/main" xmlns:a14="http://schemas.microsoft.com/office/drawing/2010/main" xmlns:m="http://schemas.openxmlformats.org/officeDocument/2006/math" xmlns="" val="1"/>
+                <ma14:wrappingTextBoxFlag xmlns="" xmlns:m="http://schemas.openxmlformats.org/officeDocument/2006/math" xmlns:a14="http://schemas.microsoft.com/office/drawing/2010/main" xmlns:ma14="http://schemas.microsoft.com/office/mac/drawingml/2011/main" val="1"/>
               </a:ext>
             </a:extLst>
           </p:spPr>
@@ -16825,7 +16825,7 @@
           </a:ln>
           <a:extLst>
             <a:ext uri="{C572A759-6A51-4108-AA02-DFA0A04FC94B}">
-              <ma14:wrappingTextBoxFlag xmlns:ma14="http://schemas.microsoft.com/office/mac/drawingml/2011/main" xmlns:a14="http://schemas.microsoft.com/office/drawing/2010/main" xmlns:m="http://schemas.openxmlformats.org/officeDocument/2006/math" xmlns="" val="1"/>
+              <ma14:wrappingTextBoxFlag xmlns="" xmlns:m="http://schemas.openxmlformats.org/officeDocument/2006/math" xmlns:a14="http://schemas.microsoft.com/office/drawing/2010/main" xmlns:ma14="http://schemas.microsoft.com/office/mac/drawingml/2011/main" val="1"/>
             </a:ext>
           </a:extLst>
         </p:spPr>
@@ -17115,7 +17115,7 @@
           </a:ln>
           <a:extLst>
             <a:ext uri="{C572A759-6A51-4108-AA02-DFA0A04FC94B}">
-              <ma14:wrappingTextBoxFlag xmlns:ma14="http://schemas.microsoft.com/office/mac/drawingml/2011/main" xmlns:a14="http://schemas.microsoft.com/office/drawing/2010/main" xmlns:m="http://schemas.openxmlformats.org/officeDocument/2006/math" xmlns="" val="1"/>
+              <ma14:wrappingTextBoxFlag xmlns="" xmlns:m="http://schemas.openxmlformats.org/officeDocument/2006/math" xmlns:a14="http://schemas.microsoft.com/office/drawing/2010/main" xmlns:ma14="http://schemas.microsoft.com/office/mac/drawingml/2011/main" val="1"/>
             </a:ext>
           </a:extLst>
         </p:spPr>
@@ -17533,7 +17533,7 @@
           </a:prstGeom>
           <a:extLst>
             <a:ext uri="{C572A759-6A51-4108-AA02-DFA0A04FC94B}">
-              <ma14:wrappingTextBoxFlag xmlns:ma14="http://schemas.microsoft.com/office/mac/drawingml/2011/main" xmlns:a14="http://schemas.microsoft.com/office/drawing/2010/main" xmlns:m="http://schemas.openxmlformats.org/officeDocument/2006/math" xmlns="" val="1"/>
+              <ma14:wrappingTextBoxFlag xmlns="" xmlns:m="http://schemas.openxmlformats.org/officeDocument/2006/math" xmlns:a14="http://schemas.microsoft.com/office/drawing/2010/main" xmlns:ma14="http://schemas.microsoft.com/office/mac/drawingml/2011/main" val="1"/>
             </a:ext>
           </a:extLst>
         </p:spPr>
@@ -17567,7 +17567,7 @@
           </a:ln>
           <a:extLst>
             <a:ext uri="{C572A759-6A51-4108-AA02-DFA0A04FC94B}">
-              <ma14:wrappingTextBoxFlag xmlns:ma14="http://schemas.microsoft.com/office/mac/drawingml/2011/main" xmlns:a14="http://schemas.microsoft.com/office/drawing/2010/main" xmlns:m="http://schemas.openxmlformats.org/officeDocument/2006/math" xmlns="" val="1"/>
+              <ma14:wrappingTextBoxFlag xmlns="" xmlns:m="http://schemas.openxmlformats.org/officeDocument/2006/math" xmlns:a14="http://schemas.microsoft.com/office/drawing/2010/main" xmlns:ma14="http://schemas.microsoft.com/office/mac/drawingml/2011/main" val="1"/>
             </a:ext>
           </a:extLst>
         </p:spPr>
@@ -17774,7 +17774,7 @@
             <a:effectLst/>
             <a:extLst>
               <a:ext uri="{C572A759-6A51-4108-AA02-DFA0A04FC94B}">
-                <ma14:wrappingTextBoxFlag xmlns:ma14="http://schemas.microsoft.com/office/mac/drawingml/2011/main" xmlns:a14="http://schemas.microsoft.com/office/drawing/2010/main" xmlns:m="http://schemas.openxmlformats.org/officeDocument/2006/math" xmlns="" val="1"/>
+                <ma14:wrappingTextBoxFlag xmlns="" xmlns:m="http://schemas.openxmlformats.org/officeDocument/2006/math" xmlns:a14="http://schemas.microsoft.com/office/drawing/2010/main" xmlns:ma14="http://schemas.microsoft.com/office/mac/drawingml/2011/main" val="1"/>
               </a:ext>
             </a:extLst>
           </p:spPr>
@@ -17900,7 +17900,7 @@
             <a:effectLst/>
             <a:extLst>
               <a:ext uri="{C572A759-6A51-4108-AA02-DFA0A04FC94B}">
-                <ma14:wrappingTextBoxFlag xmlns:ma14="http://schemas.microsoft.com/office/mac/drawingml/2011/main" xmlns:a14="http://schemas.microsoft.com/office/drawing/2010/main" xmlns:m="http://schemas.openxmlformats.org/officeDocument/2006/math" xmlns="" val="1"/>
+                <ma14:wrappingTextBoxFlag xmlns="" xmlns:m="http://schemas.openxmlformats.org/officeDocument/2006/math" xmlns:a14="http://schemas.microsoft.com/office/drawing/2010/main" xmlns:ma14="http://schemas.microsoft.com/office/mac/drawingml/2011/main" val="1"/>
               </a:ext>
             </a:extLst>
           </p:spPr>
@@ -18033,7 +18033,7 @@
             <a:effectLst/>
             <a:extLst>
               <a:ext uri="{C572A759-6A51-4108-AA02-DFA0A04FC94B}">
-                <ma14:wrappingTextBoxFlag xmlns:ma14="http://schemas.microsoft.com/office/mac/drawingml/2011/main" xmlns:a14="http://schemas.microsoft.com/office/drawing/2010/main" xmlns:m="http://schemas.openxmlformats.org/officeDocument/2006/math" xmlns="" val="1"/>
+                <ma14:wrappingTextBoxFlag xmlns="" xmlns:m="http://schemas.openxmlformats.org/officeDocument/2006/math" xmlns:a14="http://schemas.microsoft.com/office/drawing/2010/main" xmlns:ma14="http://schemas.microsoft.com/office/mac/drawingml/2011/main" val="1"/>
               </a:ext>
             </a:extLst>
           </p:spPr>
@@ -18137,7 +18137,7 @@
             <a:effectLst/>
             <a:extLst>
               <a:ext uri="{C572A759-6A51-4108-AA02-DFA0A04FC94B}">
-                <ma14:wrappingTextBoxFlag xmlns:ma14="http://schemas.microsoft.com/office/mac/drawingml/2011/main" xmlns:a14="http://schemas.microsoft.com/office/drawing/2010/main" xmlns:m="http://schemas.openxmlformats.org/officeDocument/2006/math" xmlns="" val="1"/>
+                <ma14:wrappingTextBoxFlag xmlns="" xmlns:m="http://schemas.openxmlformats.org/officeDocument/2006/math" xmlns:a14="http://schemas.microsoft.com/office/drawing/2010/main" xmlns:ma14="http://schemas.microsoft.com/office/mac/drawingml/2011/main" val="1"/>
               </a:ext>
             </a:extLst>
           </p:spPr>
@@ -18232,7 +18232,7 @@
             <a:effectLst/>
             <a:extLst>
               <a:ext uri="{C572A759-6A51-4108-AA02-DFA0A04FC94B}">
-                <ma14:wrappingTextBoxFlag xmlns:ma14="http://schemas.microsoft.com/office/mac/drawingml/2011/main" xmlns:a14="http://schemas.microsoft.com/office/drawing/2010/main" xmlns:m="http://schemas.openxmlformats.org/officeDocument/2006/math" xmlns="" val="1"/>
+                <ma14:wrappingTextBoxFlag xmlns="" xmlns:m="http://schemas.openxmlformats.org/officeDocument/2006/math" xmlns:a14="http://schemas.microsoft.com/office/drawing/2010/main" xmlns:ma14="http://schemas.microsoft.com/office/mac/drawingml/2011/main" val="1"/>
               </a:ext>
             </a:extLst>
           </p:spPr>
@@ -18327,7 +18327,7 @@
             <a:effectLst/>
             <a:extLst>
               <a:ext uri="{C572A759-6A51-4108-AA02-DFA0A04FC94B}">
-                <ma14:wrappingTextBoxFlag xmlns:ma14="http://schemas.microsoft.com/office/mac/drawingml/2011/main" xmlns:a14="http://schemas.microsoft.com/office/drawing/2010/main" xmlns:m="http://schemas.openxmlformats.org/officeDocument/2006/math" xmlns="" val="1"/>
+                <ma14:wrappingTextBoxFlag xmlns="" xmlns:m="http://schemas.openxmlformats.org/officeDocument/2006/math" xmlns:a14="http://schemas.microsoft.com/office/drawing/2010/main" xmlns:ma14="http://schemas.microsoft.com/office/mac/drawingml/2011/main" val="1"/>
               </a:ext>
             </a:extLst>
           </p:spPr>
@@ -18424,7 +18424,7 @@
             <a:effectLst/>
             <a:extLst>
               <a:ext uri="{C572A759-6A51-4108-AA02-DFA0A04FC94B}">
-                <ma14:wrappingTextBoxFlag xmlns:ma14="http://schemas.microsoft.com/office/mac/drawingml/2011/main" xmlns:a14="http://schemas.microsoft.com/office/drawing/2010/main" xmlns:m="http://schemas.openxmlformats.org/officeDocument/2006/math" xmlns="" val="1"/>
+                <ma14:wrappingTextBoxFlag xmlns="" xmlns:m="http://schemas.openxmlformats.org/officeDocument/2006/math" xmlns:a14="http://schemas.microsoft.com/office/drawing/2010/main" xmlns:ma14="http://schemas.microsoft.com/office/mac/drawingml/2011/main" val="1"/>
               </a:ext>
             </a:extLst>
           </p:spPr>
@@ -18522,7 +18522,7 @@
             <a:effectLst/>
             <a:extLst>
               <a:ext uri="{C572A759-6A51-4108-AA02-DFA0A04FC94B}">
-                <ma14:wrappingTextBoxFlag xmlns:ma14="http://schemas.microsoft.com/office/mac/drawingml/2011/main" xmlns:a14="http://schemas.microsoft.com/office/drawing/2010/main" xmlns:m="http://schemas.openxmlformats.org/officeDocument/2006/math" xmlns="" val="1"/>
+                <ma14:wrappingTextBoxFlag xmlns="" xmlns:m="http://schemas.openxmlformats.org/officeDocument/2006/math" xmlns:a14="http://schemas.microsoft.com/office/drawing/2010/main" xmlns:ma14="http://schemas.microsoft.com/office/mac/drawingml/2011/main" val="1"/>
               </a:ext>
             </a:extLst>
           </p:spPr>
@@ -18619,7 +18619,7 @@
             <a:effectLst/>
             <a:extLst>
               <a:ext uri="{C572A759-6A51-4108-AA02-DFA0A04FC94B}">
-                <ma14:wrappingTextBoxFlag xmlns:ma14="http://schemas.microsoft.com/office/mac/drawingml/2011/main" xmlns:a14="http://schemas.microsoft.com/office/drawing/2010/main" xmlns:m="http://schemas.openxmlformats.org/officeDocument/2006/math" xmlns="" val="1"/>
+                <ma14:wrappingTextBoxFlag xmlns="" xmlns:m="http://schemas.openxmlformats.org/officeDocument/2006/math" xmlns:a14="http://schemas.microsoft.com/office/drawing/2010/main" xmlns:ma14="http://schemas.microsoft.com/office/mac/drawingml/2011/main" val="1"/>
               </a:ext>
             </a:extLst>
           </p:spPr>
@@ -18715,7 +18715,7 @@
             <a:effectLst/>
             <a:extLst>
               <a:ext uri="{C572A759-6A51-4108-AA02-DFA0A04FC94B}">
-                <ma14:wrappingTextBoxFlag xmlns:ma14="http://schemas.microsoft.com/office/mac/drawingml/2011/main" xmlns:a14="http://schemas.microsoft.com/office/drawing/2010/main" xmlns:m="http://schemas.openxmlformats.org/officeDocument/2006/math" xmlns="" val="1"/>
+                <ma14:wrappingTextBoxFlag xmlns="" xmlns:m="http://schemas.openxmlformats.org/officeDocument/2006/math" xmlns:a14="http://schemas.microsoft.com/office/drawing/2010/main" xmlns:ma14="http://schemas.microsoft.com/office/mac/drawingml/2011/main" val="1"/>
               </a:ext>
             </a:extLst>
           </p:spPr>
@@ -18826,7 +18826,7 @@
             <a:effectLst/>
             <a:extLst>
               <a:ext uri="{C572A759-6A51-4108-AA02-DFA0A04FC94B}">
-                <ma14:wrappingTextBoxFlag xmlns:ma14="http://schemas.microsoft.com/office/mac/drawingml/2011/main" xmlns:a14="http://schemas.microsoft.com/office/drawing/2010/main" xmlns:m="http://schemas.openxmlformats.org/officeDocument/2006/math" xmlns="" val="1"/>
+                <ma14:wrappingTextBoxFlag xmlns="" xmlns:m="http://schemas.openxmlformats.org/officeDocument/2006/math" xmlns:a14="http://schemas.microsoft.com/office/drawing/2010/main" xmlns:ma14="http://schemas.microsoft.com/office/mac/drawingml/2011/main" val="1"/>
               </a:ext>
             </a:extLst>
           </p:spPr>
@@ -19104,7 +19104,7 @@
             <a:effectLst/>
             <a:extLst>
               <a:ext uri="{C572A759-6A51-4108-AA02-DFA0A04FC94B}">
-                <ma14:wrappingTextBoxFlag xmlns:ma14="http://schemas.microsoft.com/office/mac/drawingml/2011/main" xmlns:a14="http://schemas.microsoft.com/office/drawing/2010/main" xmlns:m="http://schemas.openxmlformats.org/officeDocument/2006/math" xmlns="" val="1"/>
+                <ma14:wrappingTextBoxFlag xmlns="" xmlns:m="http://schemas.openxmlformats.org/officeDocument/2006/math" xmlns:a14="http://schemas.microsoft.com/office/drawing/2010/main" xmlns:ma14="http://schemas.microsoft.com/office/mac/drawingml/2011/main" val="1"/>
               </a:ext>
             </a:extLst>
           </p:spPr>
@@ -19264,7 +19264,7 @@
             <a:effectLst/>
             <a:extLst>
               <a:ext uri="{C572A759-6A51-4108-AA02-DFA0A04FC94B}">
-                <ma14:wrappingTextBoxFlag xmlns:ma14="http://schemas.microsoft.com/office/mac/drawingml/2011/main" xmlns:a14="http://schemas.microsoft.com/office/drawing/2010/main" xmlns:m="http://schemas.openxmlformats.org/officeDocument/2006/math" xmlns="" val="1"/>
+                <ma14:wrappingTextBoxFlag xmlns="" xmlns:m="http://schemas.openxmlformats.org/officeDocument/2006/math" xmlns:a14="http://schemas.microsoft.com/office/drawing/2010/main" xmlns:ma14="http://schemas.microsoft.com/office/mac/drawingml/2011/main" val="1"/>
               </a:ext>
             </a:extLst>
           </p:spPr>
@@ -19392,7 +19392,7 @@
             <a:effectLst/>
             <a:extLst>
               <a:ext uri="{C572A759-6A51-4108-AA02-DFA0A04FC94B}">
-                <ma14:wrappingTextBoxFlag xmlns:ma14="http://schemas.microsoft.com/office/mac/drawingml/2011/main" xmlns:a14="http://schemas.microsoft.com/office/drawing/2010/main" xmlns:m="http://schemas.openxmlformats.org/officeDocument/2006/math" xmlns="" val="1"/>
+                <ma14:wrappingTextBoxFlag xmlns="" xmlns:m="http://schemas.openxmlformats.org/officeDocument/2006/math" xmlns:a14="http://schemas.microsoft.com/office/drawing/2010/main" xmlns:ma14="http://schemas.microsoft.com/office/mac/drawingml/2011/main" val="1"/>
               </a:ext>
             </a:extLst>
           </p:spPr>
@@ -19518,7 +19518,7 @@
             <a:effectLst/>
             <a:extLst>
               <a:ext uri="{C572A759-6A51-4108-AA02-DFA0A04FC94B}">
-                <ma14:wrappingTextBoxFlag xmlns:ma14="http://schemas.microsoft.com/office/mac/drawingml/2011/main" xmlns:a14="http://schemas.microsoft.com/office/drawing/2010/main" xmlns:m="http://schemas.openxmlformats.org/officeDocument/2006/math" xmlns="" val="1"/>
+                <ma14:wrappingTextBoxFlag xmlns="" xmlns:m="http://schemas.openxmlformats.org/officeDocument/2006/math" xmlns:a14="http://schemas.microsoft.com/office/drawing/2010/main" xmlns:ma14="http://schemas.microsoft.com/office/mac/drawingml/2011/main" val="1"/>
               </a:ext>
             </a:extLst>
           </p:spPr>
@@ -19653,7 +19653,7 @@
             <a:effectLst/>
             <a:extLst>
               <a:ext uri="{C572A759-6A51-4108-AA02-DFA0A04FC94B}">
-                <ma14:wrappingTextBoxFlag xmlns:ma14="http://schemas.microsoft.com/office/mac/drawingml/2011/main" xmlns:a14="http://schemas.microsoft.com/office/drawing/2010/main" xmlns:m="http://schemas.openxmlformats.org/officeDocument/2006/math" xmlns="" val="1"/>
+                <ma14:wrappingTextBoxFlag xmlns="" xmlns:m="http://schemas.openxmlformats.org/officeDocument/2006/math" xmlns:a14="http://schemas.microsoft.com/office/drawing/2010/main" xmlns:ma14="http://schemas.microsoft.com/office/mac/drawingml/2011/main" val="1"/>
               </a:ext>
             </a:extLst>
           </p:spPr>
@@ -19749,7 +19749,7 @@
             <a:effectLst/>
             <a:extLst>
               <a:ext uri="{C572A759-6A51-4108-AA02-DFA0A04FC94B}">
-                <ma14:wrappingTextBoxFlag xmlns:ma14="http://schemas.microsoft.com/office/mac/drawingml/2011/main" xmlns:a14="http://schemas.microsoft.com/office/drawing/2010/main" xmlns:m="http://schemas.openxmlformats.org/officeDocument/2006/math" xmlns="" val="1"/>
+                <ma14:wrappingTextBoxFlag xmlns="" xmlns:m="http://schemas.openxmlformats.org/officeDocument/2006/math" xmlns:a14="http://schemas.microsoft.com/office/drawing/2010/main" xmlns:ma14="http://schemas.microsoft.com/office/mac/drawingml/2011/main" val="1"/>
               </a:ext>
             </a:extLst>
           </p:spPr>
@@ -19845,7 +19845,7 @@
             <a:effectLst/>
             <a:extLst>
               <a:ext uri="{C572A759-6A51-4108-AA02-DFA0A04FC94B}">
-                <ma14:wrappingTextBoxFlag xmlns:ma14="http://schemas.microsoft.com/office/mac/drawingml/2011/main" xmlns:a14="http://schemas.microsoft.com/office/drawing/2010/main" xmlns:m="http://schemas.openxmlformats.org/officeDocument/2006/math" xmlns="" val="1"/>
+                <ma14:wrappingTextBoxFlag xmlns="" xmlns:m="http://schemas.openxmlformats.org/officeDocument/2006/math" xmlns:a14="http://schemas.microsoft.com/office/drawing/2010/main" xmlns:ma14="http://schemas.microsoft.com/office/mac/drawingml/2011/main" val="1"/>
               </a:ext>
             </a:extLst>
           </p:spPr>
@@ -20323,7 +20323,7 @@
             <a:effectLst/>
             <a:extLst>
               <a:ext uri="{C572A759-6A51-4108-AA02-DFA0A04FC94B}">
-                <ma14:wrappingTextBoxFlag xmlns:ma14="http://schemas.microsoft.com/office/mac/drawingml/2011/main" xmlns:a14="http://schemas.microsoft.com/office/drawing/2010/main" xmlns:m="http://schemas.openxmlformats.org/officeDocument/2006/math" xmlns="" val="1"/>
+                <ma14:wrappingTextBoxFlag xmlns="" xmlns:m="http://schemas.openxmlformats.org/officeDocument/2006/math" xmlns:a14="http://schemas.microsoft.com/office/drawing/2010/main" xmlns:ma14="http://schemas.microsoft.com/office/mac/drawingml/2011/main" val="1"/>
               </a:ext>
             </a:extLst>
           </p:spPr>
@@ -20479,7 +20479,7 @@
             <a:effectLst/>
             <a:extLst>
               <a:ext uri="{C572A759-6A51-4108-AA02-DFA0A04FC94B}">
-                <ma14:wrappingTextBoxFlag xmlns:ma14="http://schemas.microsoft.com/office/mac/drawingml/2011/main" xmlns:a14="http://schemas.microsoft.com/office/drawing/2010/main" xmlns:m="http://schemas.openxmlformats.org/officeDocument/2006/math" xmlns="" val="1"/>
+                <ma14:wrappingTextBoxFlag xmlns="" xmlns:m="http://schemas.openxmlformats.org/officeDocument/2006/math" xmlns:a14="http://schemas.microsoft.com/office/drawing/2010/main" xmlns:ma14="http://schemas.microsoft.com/office/mac/drawingml/2011/main" val="1"/>
               </a:ext>
             </a:extLst>
           </p:spPr>
@@ -20938,7 +20938,7 @@
           </a:prstGeom>
           <a:extLst>
             <a:ext uri="{C572A759-6A51-4108-AA02-DFA0A04FC94B}">
-              <ma14:wrappingTextBoxFlag xmlns:ma14="http://schemas.microsoft.com/office/mac/drawingml/2011/main" xmlns:a14="http://schemas.microsoft.com/office/drawing/2010/main" xmlns:m="http://schemas.openxmlformats.org/officeDocument/2006/math" xmlns="" val="1"/>
+              <ma14:wrappingTextBoxFlag xmlns="" xmlns:m="http://schemas.openxmlformats.org/officeDocument/2006/math" xmlns:a14="http://schemas.microsoft.com/office/drawing/2010/main" xmlns:ma14="http://schemas.microsoft.com/office/mac/drawingml/2011/main" val="1"/>
             </a:ext>
           </a:extLst>
         </p:spPr>
@@ -21002,7 +21002,7 @@
           </a:ln>
           <a:extLst>
             <a:ext uri="{C572A759-6A51-4108-AA02-DFA0A04FC94B}">
-              <ma14:wrappingTextBoxFlag xmlns:ma14="http://schemas.microsoft.com/office/mac/drawingml/2011/main" xmlns:a14="http://schemas.microsoft.com/office/drawing/2010/main" xmlns:m="http://schemas.openxmlformats.org/officeDocument/2006/math" xmlns="" val="1"/>
+              <ma14:wrappingTextBoxFlag xmlns="" xmlns:m="http://schemas.openxmlformats.org/officeDocument/2006/math" xmlns:a14="http://schemas.microsoft.com/office/drawing/2010/main" xmlns:ma14="http://schemas.microsoft.com/office/mac/drawingml/2011/main" val="1"/>
             </a:ext>
           </a:extLst>
         </p:spPr>
@@ -21232,7 +21232,7 @@
           </a:ln>
           <a:extLst>
             <a:ext uri="{C572A759-6A51-4108-AA02-DFA0A04FC94B}">
-              <ma14:wrappingTextBoxFlag xmlns:ma14="http://schemas.microsoft.com/office/mac/drawingml/2011/main" xmlns:a14="http://schemas.microsoft.com/office/drawing/2010/main" xmlns:m="http://schemas.openxmlformats.org/officeDocument/2006/math" xmlns="" val="1"/>
+              <ma14:wrappingTextBoxFlag xmlns="" xmlns:m="http://schemas.openxmlformats.org/officeDocument/2006/math" xmlns:a14="http://schemas.microsoft.com/office/drawing/2010/main" xmlns:ma14="http://schemas.microsoft.com/office/mac/drawingml/2011/main" val="1"/>
             </a:ext>
           </a:extLst>
         </p:spPr>
@@ -22213,7 +22213,7 @@
           </a:prstGeom>
           <a:extLst>
             <a:ext uri="{C572A759-6A51-4108-AA02-DFA0A04FC94B}">
-              <ma14:wrappingTextBoxFlag xmlns:ma14="http://schemas.microsoft.com/office/mac/drawingml/2011/main" xmlns:a14="http://schemas.microsoft.com/office/drawing/2010/main" xmlns:m="http://schemas.openxmlformats.org/officeDocument/2006/math" xmlns="" val="1"/>
+              <ma14:wrappingTextBoxFlag xmlns="" xmlns:m="http://schemas.openxmlformats.org/officeDocument/2006/math" xmlns:a14="http://schemas.microsoft.com/office/drawing/2010/main" xmlns:ma14="http://schemas.microsoft.com/office/mac/drawingml/2011/main" val="1"/>
             </a:ext>
           </a:extLst>
         </p:spPr>
@@ -23026,7 +23026,7 @@
           </a:prstGeom>
           <a:extLst>
             <a:ext uri="{C572A759-6A51-4108-AA02-DFA0A04FC94B}">
-              <ma14:wrappingTextBoxFlag xmlns:ma14="http://schemas.microsoft.com/office/mac/drawingml/2011/main" xmlns:a14="http://schemas.microsoft.com/office/drawing/2010/main" xmlns:m="http://schemas.openxmlformats.org/officeDocument/2006/math" xmlns="" val="1"/>
+              <ma14:wrappingTextBoxFlag xmlns="" xmlns:m="http://schemas.openxmlformats.org/officeDocument/2006/math" xmlns:a14="http://schemas.microsoft.com/office/drawing/2010/main" xmlns:ma14="http://schemas.microsoft.com/office/mac/drawingml/2011/main" val="1"/>
             </a:ext>
           </a:extLst>
         </p:spPr>
@@ -23870,7 +23870,7 @@
           </a:prstGeom>
           <a:extLst>
             <a:ext uri="{C572A759-6A51-4108-AA02-DFA0A04FC94B}">
-              <ma14:wrappingTextBoxFlag xmlns:ma14="http://schemas.microsoft.com/office/mac/drawingml/2011/main" xmlns:a14="http://schemas.microsoft.com/office/drawing/2010/main" xmlns:m="http://schemas.openxmlformats.org/officeDocument/2006/math" xmlns="" val="1"/>
+              <ma14:wrappingTextBoxFlag xmlns="" xmlns:m="http://schemas.openxmlformats.org/officeDocument/2006/math" xmlns:a14="http://schemas.microsoft.com/office/drawing/2010/main" xmlns:ma14="http://schemas.microsoft.com/office/mac/drawingml/2011/main" val="1"/>
             </a:ext>
           </a:extLst>
         </p:spPr>
@@ -24704,7 +24704,7 @@
           </a:prstGeom>
           <a:extLst>
             <a:ext uri="{C572A759-6A51-4108-AA02-DFA0A04FC94B}">
-              <ma14:wrappingTextBoxFlag xmlns:ma14="http://schemas.microsoft.com/office/mac/drawingml/2011/main" xmlns:a14="http://schemas.microsoft.com/office/drawing/2010/main" xmlns:m="http://schemas.openxmlformats.org/officeDocument/2006/math" xmlns="" val="1"/>
+              <ma14:wrappingTextBoxFlag xmlns="" xmlns:m="http://schemas.openxmlformats.org/officeDocument/2006/math" xmlns:a14="http://schemas.microsoft.com/office/drawing/2010/main" xmlns:ma14="http://schemas.microsoft.com/office/mac/drawingml/2011/main" val="1"/>
             </a:ext>
           </a:extLst>
         </p:spPr>
@@ -25527,7 +25527,7 @@
           </a:prstGeom>
           <a:extLst>
             <a:ext uri="{C572A759-6A51-4108-AA02-DFA0A04FC94B}">
-              <ma14:wrappingTextBoxFlag xmlns:ma14="http://schemas.microsoft.com/office/mac/drawingml/2011/main" xmlns:a14="http://schemas.microsoft.com/office/drawing/2010/main" xmlns:m="http://schemas.openxmlformats.org/officeDocument/2006/math" xmlns="" val="1"/>
+              <ma14:wrappingTextBoxFlag xmlns="" xmlns:m="http://schemas.openxmlformats.org/officeDocument/2006/math" xmlns:a14="http://schemas.microsoft.com/office/drawing/2010/main" xmlns:ma14="http://schemas.microsoft.com/office/mac/drawingml/2011/main" val="1"/>
             </a:ext>
           </a:extLst>
         </p:spPr>
@@ -26387,7 +26387,7 @@
           </a:prstGeom>
           <a:extLst>
             <a:ext uri="{C572A759-6A51-4108-AA02-DFA0A04FC94B}">
-              <ma14:wrappingTextBoxFlag xmlns:ma14="http://schemas.microsoft.com/office/mac/drawingml/2011/main" xmlns:a14="http://schemas.microsoft.com/office/drawing/2010/main" xmlns:m="http://schemas.openxmlformats.org/officeDocument/2006/math" xmlns="" val="1"/>
+              <ma14:wrappingTextBoxFlag xmlns="" xmlns:m="http://schemas.openxmlformats.org/officeDocument/2006/math" xmlns:a14="http://schemas.microsoft.com/office/drawing/2010/main" xmlns:ma14="http://schemas.microsoft.com/office/mac/drawingml/2011/main" val="1"/>
             </a:ext>
           </a:extLst>
         </p:spPr>
